--- a/Lec-4.pptx
+++ b/Lec-4.pptx
@@ -5,7 +5,7 @@
     <p:sldMasterId id="2147483648" r:id="rId1"/>
   </p:sldMasterIdLst>
   <p:notesMasterIdLst>
-    <p:notesMasterId r:id="rId30"/>
+    <p:notesMasterId r:id="rId31"/>
   </p:notesMasterIdLst>
   <p:sldIdLst>
     <p:sldId id="337" r:id="rId2"/>
@@ -23,19 +23,20 @@
     <p:sldId id="284" r:id="rId14"/>
     <p:sldId id="299" r:id="rId15"/>
     <p:sldId id="307" r:id="rId16"/>
-    <p:sldId id="338" r:id="rId17"/>
-    <p:sldId id="286" r:id="rId18"/>
-    <p:sldId id="287" r:id="rId19"/>
-    <p:sldId id="288" r:id="rId20"/>
-    <p:sldId id="289" r:id="rId21"/>
-    <p:sldId id="290" r:id="rId22"/>
-    <p:sldId id="293" r:id="rId23"/>
-    <p:sldId id="306" r:id="rId24"/>
-    <p:sldId id="297" r:id="rId25"/>
-    <p:sldId id="298" r:id="rId26"/>
-    <p:sldId id="295" r:id="rId27"/>
-    <p:sldId id="305" r:id="rId28"/>
-    <p:sldId id="310" r:id="rId29"/>
+    <p:sldId id="339" r:id="rId17"/>
+    <p:sldId id="338" r:id="rId18"/>
+    <p:sldId id="286" r:id="rId19"/>
+    <p:sldId id="287" r:id="rId20"/>
+    <p:sldId id="288" r:id="rId21"/>
+    <p:sldId id="289" r:id="rId22"/>
+    <p:sldId id="290" r:id="rId23"/>
+    <p:sldId id="293" r:id="rId24"/>
+    <p:sldId id="306" r:id="rId25"/>
+    <p:sldId id="297" r:id="rId26"/>
+    <p:sldId id="298" r:id="rId27"/>
+    <p:sldId id="295" r:id="rId28"/>
+    <p:sldId id="305" r:id="rId29"/>
+    <p:sldId id="310" r:id="rId30"/>
   </p:sldIdLst>
   <p:sldSz cx="9144000" cy="6858000" type="screen4x3"/>
   <p:notesSz cx="6858000" cy="9144000"/>
@@ -317,7 +318,7 @@
               <a:pPr>
                 <a:defRPr/>
               </a:pPr>
-              <a:t>8/13/2025</a:t>
+              <a:t>8/14/2025</a:t>
             </a:fld>
             <a:endParaRPr lang="en-US"/>
           </a:p>
@@ -7835,6 +7836,130 @@
           <a:chExt cx="0" cy="0"/>
         </a:xfrm>
       </p:grpSpPr>
+      <p:sp>
+        <p:nvSpPr>
+          <p:cNvPr id="3" name="Content Placeholder 2">
+            <a:extLst>
+              <a:ext uri="{FF2B5EF4-FFF2-40B4-BE49-F238E27FC236}">
+                <a16:creationId xmlns:a16="http://schemas.microsoft.com/office/drawing/2014/main" id="{B808733E-2121-1ACF-74A6-C8792D77296C}"/>
+              </a:ext>
+            </a:extLst>
+          </p:cNvPr>
+          <p:cNvSpPr>
+            <a:spLocks noGrp="1"/>
+          </p:cNvSpPr>
+          <p:nvPr>
+            <p:ph sz="quarter" idx="10"/>
+          </p:nvPr>
+        </p:nvSpPr>
+        <p:spPr/>
+        <p:txBody>
+          <a:bodyPr/>
+          <a:lstStyle/>
+          <a:p>
+            <a:r>
+              <a:rPr lang="en-US" dirty="0"/>
+              <a:t>Slides</a:t>
+            </a:r>
+            <a:endParaRPr lang="en-IN" dirty="0"/>
+          </a:p>
+        </p:txBody>
+      </p:sp>
+      <p:pic>
+        <p:nvPicPr>
+          <p:cNvPr id="5" name="Picture 4">
+            <a:extLst>
+              <a:ext uri="{FF2B5EF4-FFF2-40B4-BE49-F238E27FC236}">
+                <a16:creationId xmlns:a16="http://schemas.microsoft.com/office/drawing/2014/main" id="{678B6AE3-36CA-8458-F442-BF3D4D271A9A}"/>
+              </a:ext>
+            </a:extLst>
+          </p:cNvPr>
+          <p:cNvPicPr>
+            <a:picLocks noChangeAspect="1"/>
+          </p:cNvPicPr>
+          <p:nvPr/>
+        </p:nvPicPr>
+        <p:blipFill>
+          <a:blip r:embed="rId2"/>
+          <a:stretch>
+            <a:fillRect/>
+          </a:stretch>
+        </p:blipFill>
+        <p:spPr>
+          <a:xfrm>
+            <a:off x="228600" y="1371600"/>
+            <a:ext cx="5114925" cy="5114925"/>
+          </a:xfrm>
+          <a:prstGeom prst="rect">
+            <a:avLst/>
+          </a:prstGeom>
+        </p:spPr>
+      </p:pic>
+      <p:sp>
+        <p:nvSpPr>
+          <p:cNvPr id="7" name="TextBox 6">
+            <a:extLst>
+              <a:ext uri="{FF2B5EF4-FFF2-40B4-BE49-F238E27FC236}">
+                <a16:creationId xmlns:a16="http://schemas.microsoft.com/office/drawing/2014/main" id="{921CBF47-F738-2148-F421-933765503C65}"/>
+              </a:ext>
+            </a:extLst>
+          </p:cNvPr>
+          <p:cNvSpPr txBox="1"/>
+          <p:nvPr/>
+        </p:nvSpPr>
+        <p:spPr>
+          <a:xfrm>
+            <a:off x="5257800" y="1905000"/>
+            <a:ext cx="3657600" cy="1077218"/>
+          </a:xfrm>
+          <a:prstGeom prst="rect">
+            <a:avLst/>
+          </a:prstGeom>
+          <a:noFill/>
+        </p:spPr>
+        <p:txBody>
+          <a:bodyPr wrap="square">
+            <a:spAutoFit/>
+          </a:bodyPr>
+          <a:lstStyle/>
+          <a:p>
+            <a:r>
+              <a:rPr lang="en-IN" sz="3200" dirty="0"/>
+              <a:t>https://github.com/csndl-iitd/f2152025</a:t>
+            </a:r>
+          </a:p>
+        </p:txBody>
+      </p:sp>
+    </p:spTree>
+    <p:extLst>
+      <p:ext uri="{BB962C8B-B14F-4D97-AF65-F5344CB8AC3E}">
+        <p14:creationId xmlns:p14="http://schemas.microsoft.com/office/powerpoint/2010/main" val="134958587"/>
+      </p:ext>
+    </p:extLst>
+  </p:cSld>
+  <p:clrMapOvr>
+    <a:masterClrMapping/>
+  </p:clrMapOvr>
+</p:sld>
+</file>
+
+<file path=ppt/slides/slide17.xml><?xml version="1.0" encoding="utf-8"?>
+<p:sld xmlns:a="http://schemas.openxmlformats.org/drawingml/2006/main" xmlns:r="http://schemas.openxmlformats.org/officeDocument/2006/relationships" xmlns:p="http://schemas.openxmlformats.org/presentationml/2006/main">
+  <p:cSld>
+    <p:spTree>
+      <p:nvGrpSpPr>
+        <p:cNvPr id="1" name=""/>
+        <p:cNvGrpSpPr/>
+        <p:nvPr/>
+      </p:nvGrpSpPr>
+      <p:grpSpPr>
+        <a:xfrm>
+          <a:off x="0" y="0"/>
+          <a:ext cx="0" cy="0"/>
+          <a:chOff x="0" y="0"/>
+          <a:chExt cx="0" cy="0"/>
+        </a:xfrm>
+      </p:grpSpPr>
       <p:pic>
         <p:nvPicPr>
           <p:cNvPr id="17" name="Picture 16">
@@ -8567,7 +8692,7 @@
 </p:sld>
 </file>
 
-<file path=ppt/slides/slide17.xml><?xml version="1.0" encoding="utf-8"?>
+<file path=ppt/slides/slide18.xml><?xml version="1.0" encoding="utf-8"?>
 <p:sld xmlns:a="http://schemas.openxmlformats.org/drawingml/2006/main" xmlns:r="http://schemas.openxmlformats.org/officeDocument/2006/relationships" xmlns:p="http://schemas.openxmlformats.org/presentationml/2006/main">
   <p:cSld>
     <p:spTree>
@@ -8693,7 +8818,7 @@
 </p:sld>
 </file>
 
-<file path=ppt/slides/slide18.xml><?xml version="1.0" encoding="utf-8"?>
+<file path=ppt/slides/slide19.xml><?xml version="1.0" encoding="utf-8"?>
 <p:sld xmlns:a="http://schemas.openxmlformats.org/drawingml/2006/main" xmlns:r="http://schemas.openxmlformats.org/officeDocument/2006/relationships" xmlns:p="http://schemas.openxmlformats.org/presentationml/2006/main">
   <p:cSld>
     <p:spTree>
@@ -9149,132 +9274,6 @@
 </p:sld>
 </file>
 
-<file path=ppt/slides/slide19.xml><?xml version="1.0" encoding="utf-8"?>
-<p:sld xmlns:a="http://schemas.openxmlformats.org/drawingml/2006/main" xmlns:r="http://schemas.openxmlformats.org/officeDocument/2006/relationships" xmlns:p="http://schemas.openxmlformats.org/presentationml/2006/main">
-  <p:cSld>
-    <p:spTree>
-      <p:nvGrpSpPr>
-        <p:cNvPr id="1" name=""/>
-        <p:cNvGrpSpPr/>
-        <p:nvPr/>
-      </p:nvGrpSpPr>
-      <p:grpSpPr>
-        <a:xfrm>
-          <a:off x="0" y="0"/>
-          <a:ext cx="0" cy="0"/>
-          <a:chOff x="0" y="0"/>
-          <a:chExt cx="0" cy="0"/>
-        </a:xfrm>
-      </p:grpSpPr>
-      <p:sp>
-        <p:nvSpPr>
-          <p:cNvPr id="3" name="Content Placeholder 2">
-            <a:extLst>
-              <a:ext uri="{FF2B5EF4-FFF2-40B4-BE49-F238E27FC236}">
-                <a16:creationId xmlns:a16="http://schemas.microsoft.com/office/drawing/2014/main" id="{BD7620FB-B950-FC8C-8796-A485AC0EE9A7}"/>
-              </a:ext>
-            </a:extLst>
-          </p:cNvPr>
-          <p:cNvSpPr>
-            <a:spLocks noGrp="1"/>
-          </p:cNvSpPr>
-          <p:nvPr>
-            <p:ph sz="quarter" idx="10"/>
-          </p:nvPr>
-        </p:nvSpPr>
-        <p:spPr/>
-        <p:txBody>
-          <a:bodyPr/>
-          <a:lstStyle/>
-          <a:p>
-            <a:r>
-              <a:rPr lang="en-US" dirty="0"/>
-              <a:t>Prime implicants</a:t>
-            </a:r>
-            <a:endParaRPr lang="en-IN" dirty="0"/>
-          </a:p>
-        </p:txBody>
-      </p:sp>
-      <p:pic>
-        <p:nvPicPr>
-          <p:cNvPr id="4" name="Picture 2">
-            <a:extLst>
-              <a:ext uri="{FF2B5EF4-FFF2-40B4-BE49-F238E27FC236}">
-                <a16:creationId xmlns:a16="http://schemas.microsoft.com/office/drawing/2014/main" id="{E12C906C-94CC-A49C-CFC6-32261564BF5B}"/>
-              </a:ext>
-            </a:extLst>
-          </p:cNvPr>
-          <p:cNvPicPr>
-            <a:picLocks noGrp="1" noChangeAspect="1" noChangeArrowheads="1"/>
-          </p:cNvPicPr>
-          <p:nvPr>
-            <p:ph idx="1"/>
-          </p:nvPr>
-        </p:nvPicPr>
-        <p:blipFill rotWithShape="1">
-          <a:blip r:embed="rId2">
-            <a:extLst>
-              <a:ext uri="{28A0092B-C50C-407E-A947-70E740481C1C}">
-                <a14:useLocalDpi xmlns:a14="http://schemas.microsoft.com/office/drawing/2010/main" val="0"/>
-              </a:ext>
-            </a:extLst>
-          </a:blip>
-          <a:srcRect t="12987"/>
-          <a:stretch>
-            <a:fillRect/>
-          </a:stretch>
-        </p:blipFill>
-        <p:spPr bwMode="auto">
-          <a:xfrm>
-            <a:off x="283029" y="1676400"/>
-            <a:ext cx="8573011" cy="4529512"/>
-          </a:xfrm>
-          <a:prstGeom prst="rect">
-            <a:avLst/>
-          </a:prstGeom>
-          <a:noFill/>
-          <a:ln>
-            <a:noFill/>
-          </a:ln>
-          <a:effectLst/>
-          <a:extLst>
-            <a:ext uri="{909E8E84-426E-40DD-AFC4-6F175D3DCCD1}">
-              <a14:hiddenFill xmlns:a14="http://schemas.microsoft.com/office/drawing/2010/main">
-                <a:solidFill>
-                  <a:schemeClr val="accent1"/>
-                </a:solidFill>
-              </a14:hiddenFill>
-            </a:ext>
-            <a:ext uri="{91240B29-F687-4F45-9708-019B960494DF}">
-              <a14:hiddenLine xmlns:a14="http://schemas.microsoft.com/office/drawing/2010/main" w="9525">
-                <a:solidFill>
-                  <a:schemeClr val="tx1"/>
-                </a:solidFill>
-                <a:miter lim="800000"/>
-                <a:headEnd/>
-                <a:tailEnd/>
-              </a14:hiddenLine>
-            </a:ext>
-            <a:ext uri="{AF507438-7753-43E0-B8FC-AC1667EBCBE1}">
-              <a14:hiddenEffects xmlns:a14="http://schemas.microsoft.com/office/drawing/2010/main">
-                <a:effectLst>
-                  <a:outerShdw dist="35921" dir="2700000" algn="ctr" rotWithShape="0">
-                    <a:schemeClr val="bg2"/>
-                  </a:outerShdw>
-                </a:effectLst>
-              </a14:hiddenEffects>
-            </a:ext>
-          </a:extLst>
-        </p:spPr>
-      </p:pic>
-    </p:spTree>
-  </p:cSld>
-  <p:clrMapOvr>
-    <a:masterClrMapping/>
-  </p:clrMapOvr>
-</p:sld>
-</file>
-
 <file path=ppt/slides/slide2.xml><?xml version="1.0" encoding="utf-8"?>
 <p:sld xmlns:a="http://schemas.openxmlformats.org/drawingml/2006/main" xmlns:r="http://schemas.openxmlformats.org/officeDocument/2006/relationships" xmlns:p="http://schemas.openxmlformats.org/presentationml/2006/main">
   <p:cSld>
@@ -9417,7 +9416,7 @@
           <p:cNvPr id="3" name="Content Placeholder 2">
             <a:extLst>
               <a:ext uri="{FF2B5EF4-FFF2-40B4-BE49-F238E27FC236}">
-                <a16:creationId xmlns:a16="http://schemas.microsoft.com/office/drawing/2014/main" id="{22528B47-AFED-5DDF-D295-ACCD09B56495}"/>
+                <a16:creationId xmlns:a16="http://schemas.microsoft.com/office/drawing/2014/main" id="{BD7620FB-B950-FC8C-8796-A485AC0EE9A7}"/>
               </a:ext>
             </a:extLst>
           </p:cNvPr>
@@ -9435,7 +9434,7 @@
           <a:p>
             <a:r>
               <a:rPr lang="en-US" dirty="0"/>
-              <a:t>Essential prime implicants</a:t>
+              <a:t>Prime implicants</a:t>
             </a:r>
             <a:endParaRPr lang="en-IN" dirty="0"/>
           </a:p>
@@ -9446,7 +9445,7 @@
           <p:cNvPr id="4" name="Picture 2">
             <a:extLst>
               <a:ext uri="{FF2B5EF4-FFF2-40B4-BE49-F238E27FC236}">
-                <a16:creationId xmlns:a16="http://schemas.microsoft.com/office/drawing/2014/main" id="{110E574A-A15A-FE21-76C5-A4DF5CB2F97A}"/>
+                <a16:creationId xmlns:a16="http://schemas.microsoft.com/office/drawing/2014/main" id="{E12C906C-94CC-A49C-CFC6-32261564BF5B}"/>
               </a:ext>
             </a:extLst>
           </p:cNvPr>
@@ -9465,15 +9464,15 @@
               </a:ext>
             </a:extLst>
           </a:blip>
-          <a:srcRect t="12026"/>
+          <a:srcRect t="12987"/>
           <a:stretch>
             <a:fillRect/>
           </a:stretch>
         </p:blipFill>
         <p:spPr bwMode="auto">
           <a:xfrm>
-            <a:off x="419100" y="1447800"/>
-            <a:ext cx="8305800" cy="4743648"/>
+            <a:off x="283029" y="1676400"/>
+            <a:ext cx="8573011" cy="4529512"/>
           </a:xfrm>
           <a:prstGeom prst="rect">
             <a:avLst/>
@@ -9543,6 +9542,132 @@
           <p:cNvPr id="3" name="Content Placeholder 2">
             <a:extLst>
               <a:ext uri="{FF2B5EF4-FFF2-40B4-BE49-F238E27FC236}">
+                <a16:creationId xmlns:a16="http://schemas.microsoft.com/office/drawing/2014/main" id="{22528B47-AFED-5DDF-D295-ACCD09B56495}"/>
+              </a:ext>
+            </a:extLst>
+          </p:cNvPr>
+          <p:cNvSpPr>
+            <a:spLocks noGrp="1"/>
+          </p:cNvSpPr>
+          <p:nvPr>
+            <p:ph sz="quarter" idx="10"/>
+          </p:nvPr>
+        </p:nvSpPr>
+        <p:spPr/>
+        <p:txBody>
+          <a:bodyPr/>
+          <a:lstStyle/>
+          <a:p>
+            <a:r>
+              <a:rPr lang="en-US" dirty="0"/>
+              <a:t>Essential prime implicants</a:t>
+            </a:r>
+            <a:endParaRPr lang="en-IN" dirty="0"/>
+          </a:p>
+        </p:txBody>
+      </p:sp>
+      <p:pic>
+        <p:nvPicPr>
+          <p:cNvPr id="4" name="Picture 2">
+            <a:extLst>
+              <a:ext uri="{FF2B5EF4-FFF2-40B4-BE49-F238E27FC236}">
+                <a16:creationId xmlns:a16="http://schemas.microsoft.com/office/drawing/2014/main" id="{110E574A-A15A-FE21-76C5-A4DF5CB2F97A}"/>
+              </a:ext>
+            </a:extLst>
+          </p:cNvPr>
+          <p:cNvPicPr>
+            <a:picLocks noGrp="1" noChangeAspect="1" noChangeArrowheads="1"/>
+          </p:cNvPicPr>
+          <p:nvPr>
+            <p:ph idx="1"/>
+          </p:nvPr>
+        </p:nvPicPr>
+        <p:blipFill rotWithShape="1">
+          <a:blip r:embed="rId2">
+            <a:extLst>
+              <a:ext uri="{28A0092B-C50C-407E-A947-70E740481C1C}">
+                <a14:useLocalDpi xmlns:a14="http://schemas.microsoft.com/office/drawing/2010/main" val="0"/>
+              </a:ext>
+            </a:extLst>
+          </a:blip>
+          <a:srcRect t="12026"/>
+          <a:stretch>
+            <a:fillRect/>
+          </a:stretch>
+        </p:blipFill>
+        <p:spPr bwMode="auto">
+          <a:xfrm>
+            <a:off x="419100" y="1447800"/>
+            <a:ext cx="8305800" cy="4743648"/>
+          </a:xfrm>
+          <a:prstGeom prst="rect">
+            <a:avLst/>
+          </a:prstGeom>
+          <a:noFill/>
+          <a:ln>
+            <a:noFill/>
+          </a:ln>
+          <a:effectLst/>
+          <a:extLst>
+            <a:ext uri="{909E8E84-426E-40DD-AFC4-6F175D3DCCD1}">
+              <a14:hiddenFill xmlns:a14="http://schemas.microsoft.com/office/drawing/2010/main">
+                <a:solidFill>
+                  <a:schemeClr val="accent1"/>
+                </a:solidFill>
+              </a14:hiddenFill>
+            </a:ext>
+            <a:ext uri="{91240B29-F687-4F45-9708-019B960494DF}">
+              <a14:hiddenLine xmlns:a14="http://schemas.microsoft.com/office/drawing/2010/main" w="9525">
+                <a:solidFill>
+                  <a:schemeClr val="tx1"/>
+                </a:solidFill>
+                <a:miter lim="800000"/>
+                <a:headEnd/>
+                <a:tailEnd/>
+              </a14:hiddenLine>
+            </a:ext>
+            <a:ext uri="{AF507438-7753-43E0-B8FC-AC1667EBCBE1}">
+              <a14:hiddenEffects xmlns:a14="http://schemas.microsoft.com/office/drawing/2010/main">
+                <a:effectLst>
+                  <a:outerShdw dist="35921" dir="2700000" algn="ctr" rotWithShape="0">
+                    <a:schemeClr val="bg2"/>
+                  </a:outerShdw>
+                </a:effectLst>
+              </a14:hiddenEffects>
+            </a:ext>
+          </a:extLst>
+        </p:spPr>
+      </p:pic>
+    </p:spTree>
+  </p:cSld>
+  <p:clrMapOvr>
+    <a:masterClrMapping/>
+  </p:clrMapOvr>
+</p:sld>
+</file>
+
+<file path=ppt/slides/slide22.xml><?xml version="1.0" encoding="utf-8"?>
+<p:sld xmlns:a="http://schemas.openxmlformats.org/drawingml/2006/main" xmlns:r="http://schemas.openxmlformats.org/officeDocument/2006/relationships" xmlns:p="http://schemas.openxmlformats.org/presentationml/2006/main">
+  <p:cSld>
+    <p:spTree>
+      <p:nvGrpSpPr>
+        <p:cNvPr id="1" name=""/>
+        <p:cNvGrpSpPr/>
+        <p:nvPr/>
+      </p:nvGrpSpPr>
+      <p:grpSpPr>
+        <a:xfrm>
+          <a:off x="0" y="0"/>
+          <a:ext cx="0" cy="0"/>
+          <a:chOff x="0" y="0"/>
+          <a:chExt cx="0" cy="0"/>
+        </a:xfrm>
+      </p:grpSpPr>
+      <p:sp>
+        <p:nvSpPr>
+          <p:cNvPr id="3" name="Content Placeholder 2">
+            <a:extLst>
+              <a:ext uri="{FF2B5EF4-FFF2-40B4-BE49-F238E27FC236}">
                 <a16:creationId xmlns:a16="http://schemas.microsoft.com/office/drawing/2014/main" id="{DD5D772E-1231-C0D8-966E-1C808B5BE67F}"/>
               </a:ext>
             </a:extLst>
@@ -9651,7 +9776,7 @@
 </p:sld>
 </file>
 
-<file path=ppt/slides/slide22.xml><?xml version="1.0" encoding="utf-8"?>
+<file path=ppt/slides/slide23.xml><?xml version="1.0" encoding="utf-8"?>
 <p:sld xmlns:a="http://schemas.openxmlformats.org/drawingml/2006/main" xmlns:r="http://schemas.openxmlformats.org/officeDocument/2006/relationships" xmlns:p="http://schemas.openxmlformats.org/presentationml/2006/main">
   <p:cSld>
     <p:spTree>
@@ -9922,7 +10047,7 @@
 </p:sld>
 </file>
 
-<file path=ppt/slides/slide23.xml><?xml version="1.0" encoding="utf-8"?>
+<file path=ppt/slides/slide24.xml><?xml version="1.0" encoding="utf-8"?>
 <p:sld xmlns:a="http://schemas.openxmlformats.org/drawingml/2006/main" xmlns:r="http://schemas.openxmlformats.org/officeDocument/2006/relationships" xmlns:p="http://schemas.openxmlformats.org/presentationml/2006/main">
   <p:cSld>
     <p:spTree>
@@ -10046,7 +10171,7 @@
 </p:sld>
 </file>
 
-<file path=ppt/slides/slide24.xml><?xml version="1.0" encoding="utf-8"?>
+<file path=ppt/slides/slide25.xml><?xml version="1.0" encoding="utf-8"?>
 <p:sld xmlns:a="http://schemas.openxmlformats.org/drawingml/2006/main" xmlns:r="http://schemas.openxmlformats.org/officeDocument/2006/relationships" xmlns:p="http://schemas.openxmlformats.org/presentationml/2006/main">
   <p:cSld>
     <p:spTree>
@@ -10317,7 +10442,7 @@
 </p:sld>
 </file>
 
-<file path=ppt/slides/slide25.xml><?xml version="1.0" encoding="utf-8"?>
+<file path=ppt/slides/slide26.xml><?xml version="1.0" encoding="utf-8"?>
 <p:sld xmlns:a="http://schemas.openxmlformats.org/drawingml/2006/main" xmlns:r="http://schemas.openxmlformats.org/officeDocument/2006/relationships" xmlns:p="http://schemas.openxmlformats.org/presentationml/2006/main">
   <p:cSld>
     <p:spTree>
@@ -10443,7 +10568,7 @@
 </p:sld>
 </file>
 
-<file path=ppt/slides/slide26.xml><?xml version="1.0" encoding="utf-8"?>
+<file path=ppt/slides/slide27.xml><?xml version="1.0" encoding="utf-8"?>
 <p:sld xmlns:a="http://schemas.openxmlformats.org/drawingml/2006/main" xmlns:r="http://schemas.openxmlformats.org/officeDocument/2006/relationships" xmlns:p="http://schemas.openxmlformats.org/presentationml/2006/main">
   <p:cSld>
     <p:spTree>
@@ -10715,7 +10840,7 @@
 </p:sld>
 </file>
 
-<file path=ppt/slides/slide27.xml><?xml version="1.0" encoding="utf-8"?>
+<file path=ppt/slides/slide28.xml><?xml version="1.0" encoding="utf-8"?>
 <p:sld xmlns:a="http://schemas.openxmlformats.org/drawingml/2006/main" xmlns:r="http://schemas.openxmlformats.org/officeDocument/2006/relationships" xmlns:p="http://schemas.openxmlformats.org/presentationml/2006/main">
   <p:cSld>
     <p:spTree>
@@ -15860,7 +15985,7 @@
 </p:sld>
 </file>
 
-<file path=ppt/slides/slide28.xml><?xml version="1.0" encoding="utf-8"?>
+<file path=ppt/slides/slide29.xml><?xml version="1.0" encoding="utf-8"?>
 <p:sld xmlns:a="http://schemas.openxmlformats.org/drawingml/2006/main" xmlns:r="http://schemas.openxmlformats.org/officeDocument/2006/relationships" xmlns:p="http://schemas.openxmlformats.org/presentationml/2006/main">
   <p:cSld>
     <p:spTree>
